--- a/ppt/osf/publons.pptx
+++ b/ppt/osf/publons.pptx
@@ -197,7 +197,7 @@
           <a:p>
             <a:fld id="{FA10BEC8-5B5E-C04B-8638-20B5D8E5433D}" type="datetimeFigureOut">
               <a:rPr lang="en-US" smtClean="0"/>
-              <a:t>2/14/18</a:t>
+              <a:t>4/29/18</a:t>
             </a:fld>
             <a:endParaRPr lang="en-US"/>
           </a:p>
@@ -595,7 +595,7 @@
           <a:p>
             <a:fld id="{EE6319E6-15A9-D840-8E10-6CD0FD8B04C2}" type="datetimeFigureOut">
               <a:rPr lang="en-US" smtClean="0"/>
-              <a:t>2/14/18</a:t>
+              <a:t>4/29/18</a:t>
             </a:fld>
             <a:endParaRPr lang="en-US"/>
           </a:p>
@@ -760,7 +760,7 @@
           <a:p>
             <a:fld id="{EE6319E6-15A9-D840-8E10-6CD0FD8B04C2}" type="datetimeFigureOut">
               <a:rPr lang="en-US" smtClean="0"/>
-              <a:t>2/14/18</a:t>
+              <a:t>4/29/18</a:t>
             </a:fld>
             <a:endParaRPr lang="en-US"/>
           </a:p>
@@ -935,7 +935,7 @@
           <a:p>
             <a:fld id="{EE6319E6-15A9-D840-8E10-6CD0FD8B04C2}" type="datetimeFigureOut">
               <a:rPr lang="en-US" smtClean="0"/>
-              <a:t>2/14/18</a:t>
+              <a:t>4/29/18</a:t>
             </a:fld>
             <a:endParaRPr lang="en-US"/>
           </a:p>
@@ -1100,7 +1100,7 @@
           <a:p>
             <a:fld id="{EE6319E6-15A9-D840-8E10-6CD0FD8B04C2}" type="datetimeFigureOut">
               <a:rPr lang="en-US" smtClean="0"/>
-              <a:t>2/14/18</a:t>
+              <a:t>4/29/18</a:t>
             </a:fld>
             <a:endParaRPr lang="en-US"/>
           </a:p>
@@ -1341,7 +1341,7 @@
           <a:p>
             <a:fld id="{EE6319E6-15A9-D840-8E10-6CD0FD8B04C2}" type="datetimeFigureOut">
               <a:rPr lang="en-US" smtClean="0"/>
-              <a:t>2/14/18</a:t>
+              <a:t>4/29/18</a:t>
             </a:fld>
             <a:endParaRPr lang="en-US"/>
           </a:p>
@@ -1568,7 +1568,7 @@
           <a:p>
             <a:fld id="{EE6319E6-15A9-D840-8E10-6CD0FD8B04C2}" type="datetimeFigureOut">
               <a:rPr lang="en-US" smtClean="0"/>
-              <a:t>2/14/18</a:t>
+              <a:t>4/29/18</a:t>
             </a:fld>
             <a:endParaRPr lang="en-US"/>
           </a:p>
@@ -1930,7 +1930,7 @@
           <a:p>
             <a:fld id="{EE6319E6-15A9-D840-8E10-6CD0FD8B04C2}" type="datetimeFigureOut">
               <a:rPr lang="en-US" smtClean="0"/>
-              <a:t>2/14/18</a:t>
+              <a:t>4/29/18</a:t>
             </a:fld>
             <a:endParaRPr lang="en-US"/>
           </a:p>
@@ -2043,7 +2043,7 @@
           <a:p>
             <a:fld id="{EE6319E6-15A9-D840-8E10-6CD0FD8B04C2}" type="datetimeFigureOut">
               <a:rPr lang="en-US" smtClean="0"/>
-              <a:t>2/14/18</a:t>
+              <a:t>4/29/18</a:t>
             </a:fld>
             <a:endParaRPr lang="en-US"/>
           </a:p>
@@ -2133,7 +2133,7 @@
           <a:p>
             <a:fld id="{EE6319E6-15A9-D840-8E10-6CD0FD8B04C2}" type="datetimeFigureOut">
               <a:rPr lang="en-US" smtClean="0"/>
-              <a:t>2/14/18</a:t>
+              <a:t>4/29/18</a:t>
             </a:fld>
             <a:endParaRPr lang="en-US"/>
           </a:p>
@@ -2405,7 +2405,7 @@
           <a:p>
             <a:fld id="{EE6319E6-15A9-D840-8E10-6CD0FD8B04C2}" type="datetimeFigureOut">
               <a:rPr lang="en-US" smtClean="0"/>
-              <a:t>2/14/18</a:t>
+              <a:t>4/29/18</a:t>
             </a:fld>
             <a:endParaRPr lang="en-US"/>
           </a:p>
@@ -2657,7 +2657,7 @@
           <a:p>
             <a:fld id="{EE6319E6-15A9-D840-8E10-6CD0FD8B04C2}" type="datetimeFigureOut">
               <a:rPr lang="en-US" smtClean="0"/>
-              <a:t>2/14/18</a:t>
+              <a:t>4/29/18</a:t>
             </a:fld>
             <a:endParaRPr lang="en-US"/>
           </a:p>
@@ -2865,7 +2865,7 @@
           <a:p>
             <a:fld id="{EE6319E6-15A9-D840-8E10-6CD0FD8B04C2}" type="datetimeFigureOut">
               <a:rPr lang="en-US" smtClean="0"/>
-              <a:t>2/14/18</a:t>
+              <a:t>4/29/18</a:t>
             </a:fld>
             <a:endParaRPr lang="en-US"/>
           </a:p>
@@ -3285,11 +3285,11 @@
             <a:avLst/>
           </a:prstGeom>
           <a:solidFill>
-            <a:srgbClr val="222222"/>
+            <a:schemeClr val="bg1"/>
           </a:solidFill>
           <a:ln w="76200">
             <a:solidFill>
-              <a:srgbClr val="336699"/>
+              <a:srgbClr val="56B8EC"/>
             </a:solidFill>
           </a:ln>
         </p:spPr>
@@ -3314,7 +3314,7 @@
           <a:lstStyle/>
           <a:p>
             <a:pPr algn="ctr"/>
-            <a:endParaRPr lang="en-US">
+            <a:endParaRPr lang="en-US" dirty="0">
               <a:solidFill>
                 <a:srgbClr val="404040"/>
               </a:solidFill>
@@ -3356,10 +3356,10 @@
       </p:sp>
       <p:pic>
         <p:nvPicPr>
-          <p:cNvPr id="3" name="Picture 2">
+          <p:cNvPr id="7" name="Picture 6">
             <a:extLst>
               <a:ext uri="{FF2B5EF4-FFF2-40B4-BE49-F238E27FC236}">
-                <a16:creationId xmlns:a16="http://schemas.microsoft.com/office/drawing/2014/main" id="{D32DEF1C-4A18-F240-B379-3DDFB52CB74C}"/>
+                <a16:creationId xmlns:a16="http://schemas.microsoft.com/office/drawing/2014/main" id="{039D47DE-7AE6-F54D-BB25-B6764C08408D}"/>
               </a:ext>
             </a:extLst>
           </p:cNvPr>
@@ -3368,21 +3368,61 @@
           </p:cNvPicPr>
           <p:nvPr/>
         </p:nvPicPr>
-        <p:blipFill rotWithShape="1">
+        <p:blipFill>
           <a:blip r:embed="rId2"/>
-          <a:srcRect t="7639" b="6250"/>
-          <a:stretch/>
+          <a:stretch>
+            <a:fillRect/>
+          </a:stretch>
         </p:blipFill>
         <p:spPr>
           <a:xfrm>
-            <a:off x="373196" y="63500"/>
-            <a:ext cx="2169846" cy="787400"/>
+            <a:off x="463549" y="118665"/>
+            <a:ext cx="677069" cy="677069"/>
           </a:xfrm>
           <a:prstGeom prst="rect">
             <a:avLst/>
           </a:prstGeom>
         </p:spPr>
       </p:pic>
+      <p:sp>
+        <p:nvSpPr>
+          <p:cNvPr id="8" name="TextBox 7">
+            <a:extLst>
+              <a:ext uri="{FF2B5EF4-FFF2-40B4-BE49-F238E27FC236}">
+                <a16:creationId xmlns:a16="http://schemas.microsoft.com/office/drawing/2014/main" id="{B08BB088-7493-C14E-A21D-C9E98EA025D9}"/>
+              </a:ext>
+            </a:extLst>
+          </p:cNvPr>
+          <p:cNvSpPr txBox="1"/>
+          <p:nvPr/>
+        </p:nvSpPr>
+        <p:spPr>
+          <a:xfrm>
+            <a:off x="1323975" y="41700"/>
+            <a:ext cx="1435100" cy="830997"/>
+          </a:xfrm>
+          <a:prstGeom prst="rect">
+            <a:avLst/>
+          </a:prstGeom>
+          <a:noFill/>
+        </p:spPr>
+        <p:txBody>
+          <a:bodyPr wrap="square" rtlCol="0">
+            <a:spAutoFit/>
+          </a:bodyPr>
+          <a:lstStyle/>
+          <a:p>
+            <a:r>
+              <a:rPr lang="en-US" sz="4800" dirty="0">
+                <a:solidFill>
+                  <a:srgbClr val="393536"/>
+                </a:solidFill>
+              </a:rPr>
+              <a:t>OSF</a:t>
+            </a:r>
+          </a:p>
+        </p:txBody>
+      </p:sp>
     </p:spTree>
     <p:extLst>
       <p:ext uri="{BB962C8B-B14F-4D97-AF65-F5344CB8AC3E}">
